--- a/Prezentace/Prezentace.pptx
+++ b/Prezentace/Prezentace.pptx
@@ -307,7 +307,7 @@
           <a:p>
             <a:fld id="{D6120B08-1585-444B-86CC-B7045DB4F7A5}" type="datetimeFigureOut">
               <a:rPr lang="cs-CZ" smtClean="0"/>
-              <a:t>09.11.2017</a:t>
+              <a:t>07.12.2017</a:t>
             </a:fld>
             <a:endParaRPr lang="cs-CZ"/>
           </a:p>
@@ -572,7 +572,7 @@
           <a:p>
             <a:fld id="{D6120B08-1585-444B-86CC-B7045DB4F7A5}" type="datetimeFigureOut">
               <a:rPr lang="cs-CZ" smtClean="0"/>
-              <a:t>09.11.2017</a:t>
+              <a:t>07.12.2017</a:t>
             </a:fld>
             <a:endParaRPr lang="cs-CZ"/>
           </a:p>
@@ -747,7 +747,7 @@
           <a:p>
             <a:fld id="{D6120B08-1585-444B-86CC-B7045DB4F7A5}" type="datetimeFigureOut">
               <a:rPr lang="cs-CZ" smtClean="0"/>
-              <a:t>09.11.2017</a:t>
+              <a:t>07.12.2017</a:t>
             </a:fld>
             <a:endParaRPr lang="cs-CZ"/>
           </a:p>
@@ -912,7 +912,7 @@
           <a:p>
             <a:fld id="{D6120B08-1585-444B-86CC-B7045DB4F7A5}" type="datetimeFigureOut">
               <a:rPr lang="cs-CZ" smtClean="0"/>
-              <a:t>09.11.2017</a:t>
+              <a:t>07.12.2017</a:t>
             </a:fld>
             <a:endParaRPr lang="cs-CZ"/>
           </a:p>
@@ -1161,7 +1161,7 @@
           <a:p>
             <a:fld id="{D6120B08-1585-444B-86CC-B7045DB4F7A5}" type="datetimeFigureOut">
               <a:rPr lang="cs-CZ" smtClean="0"/>
-              <a:t>09.11.2017</a:t>
+              <a:t>07.12.2017</a:t>
             </a:fld>
             <a:endParaRPr lang="cs-CZ"/>
           </a:p>
@@ -1444,7 +1444,7 @@
           <a:p>
             <a:fld id="{D6120B08-1585-444B-86CC-B7045DB4F7A5}" type="datetimeFigureOut">
               <a:rPr lang="cs-CZ" smtClean="0"/>
-              <a:t>09.11.2017</a:t>
+              <a:t>07.12.2017</a:t>
             </a:fld>
             <a:endParaRPr lang="cs-CZ"/>
           </a:p>
@@ -1883,7 +1883,7 @@
           <a:p>
             <a:fld id="{D6120B08-1585-444B-86CC-B7045DB4F7A5}" type="datetimeFigureOut">
               <a:rPr lang="cs-CZ" smtClean="0"/>
-              <a:t>09.11.2017</a:t>
+              <a:t>07.12.2017</a:t>
             </a:fld>
             <a:endParaRPr lang="cs-CZ"/>
           </a:p>
@@ -1996,7 +1996,7 @@
           <a:p>
             <a:fld id="{D6120B08-1585-444B-86CC-B7045DB4F7A5}" type="datetimeFigureOut">
               <a:rPr lang="cs-CZ" smtClean="0"/>
-              <a:t>09.11.2017</a:t>
+              <a:t>07.12.2017</a:t>
             </a:fld>
             <a:endParaRPr lang="cs-CZ"/>
           </a:p>
@@ -2086,7 +2086,7 @@
           <a:p>
             <a:fld id="{D6120B08-1585-444B-86CC-B7045DB4F7A5}" type="datetimeFigureOut">
               <a:rPr lang="cs-CZ" smtClean="0"/>
-              <a:t>09.11.2017</a:t>
+              <a:t>07.12.2017</a:t>
             </a:fld>
             <a:endParaRPr lang="cs-CZ"/>
           </a:p>
@@ -2328,7 +2328,7 @@
           <a:p>
             <a:fld id="{D6120B08-1585-444B-86CC-B7045DB4F7A5}" type="datetimeFigureOut">
               <a:rPr lang="cs-CZ" smtClean="0"/>
-              <a:t>09.11.2017</a:t>
+              <a:t>07.12.2017</a:t>
             </a:fld>
             <a:endParaRPr lang="cs-CZ"/>
           </a:p>
@@ -2622,7 +2622,7 @@
           <a:p>
             <a:fld id="{D6120B08-1585-444B-86CC-B7045DB4F7A5}" type="datetimeFigureOut">
               <a:rPr lang="cs-CZ" smtClean="0"/>
-              <a:t>09.11.2017</a:t>
+              <a:t>07.12.2017</a:t>
             </a:fld>
             <a:endParaRPr lang="cs-CZ"/>
           </a:p>
@@ -2916,7 +2916,7 @@
           <a:p>
             <a:fld id="{D6120B08-1585-444B-86CC-B7045DB4F7A5}" type="datetimeFigureOut">
               <a:rPr lang="cs-CZ" smtClean="0"/>
-              <a:t>09.11.2017</a:t>
+              <a:t>07.12.2017</a:t>
             </a:fld>
             <a:endParaRPr lang="cs-CZ"/>
           </a:p>
@@ -3418,7 +3418,11 @@
           <a:p>
             <a:r>
               <a:rPr lang="cs-CZ" sz="5400" dirty="0" smtClean="0"/>
-              <a:t>Průběžná prezentace předmětu OS</a:t>
+              <a:t>Průběžná prezentace </a:t>
+            </a:r>
+            <a:r>
+              <a:rPr lang="cs-CZ" sz="5400" dirty="0" smtClean="0"/>
+              <a:t>předmětu OS</a:t>
             </a:r>
             <a:endParaRPr lang="cs-CZ" sz="5400" dirty="0"/>
           </a:p>
@@ -4506,7 +4510,11 @@
           <a:p>
             <a:r>
               <a:rPr lang="cs-CZ" dirty="0" smtClean="0"/>
-              <a:t>Nexorovaný segmentový register</a:t>
+              <a:t>Nexorovaný segmentový </a:t>
+            </a:r>
+            <a:r>
+              <a:rPr lang="cs-CZ" dirty="0" smtClean="0"/>
+              <a:t>register</a:t>
             </a:r>
           </a:p>
           <a:p>
@@ -4516,7 +4524,7 @@
             <a:endParaRPr lang="cs-CZ" dirty="0" smtClean="0"/>
           </a:p>
           <a:p>
-            <a:endParaRPr lang="cs-CZ" dirty="0"/>
+            <a:endParaRPr lang="cs-CZ" dirty="0" smtClean="0"/>
           </a:p>
           <a:p>
             <a:endParaRPr lang="cs-CZ" dirty="0" smtClean="0"/>
